--- a/Presentation/2021.02.28.pptx
+++ b/Presentation/2021.02.28.pptx
@@ -270,7 +270,7 @@
           <a:p>
             <a:fld id="{8E5F0B77-5064-4363-A7E5-FF390C19CD73}" type="datetimeFigureOut">
               <a:rPr lang="en-US" smtClean="0"/>
-              <a:t>2/24/2021</a:t>
+              <a:t>2/25/2021</a:t>
             </a:fld>
             <a:endParaRPr lang="en-US"/>
           </a:p>
@@ -468,7 +468,7 @@
           <a:p>
             <a:fld id="{8E5F0B77-5064-4363-A7E5-FF390C19CD73}" type="datetimeFigureOut">
               <a:rPr lang="en-US" smtClean="0"/>
-              <a:t>2/24/2021</a:t>
+              <a:t>2/25/2021</a:t>
             </a:fld>
             <a:endParaRPr lang="en-US"/>
           </a:p>
@@ -676,7 +676,7 @@
           <a:p>
             <a:fld id="{8E5F0B77-5064-4363-A7E5-FF390C19CD73}" type="datetimeFigureOut">
               <a:rPr lang="en-US" smtClean="0"/>
-              <a:t>2/24/2021</a:t>
+              <a:t>2/25/2021</a:t>
             </a:fld>
             <a:endParaRPr lang="en-US"/>
           </a:p>
@@ -874,7 +874,7 @@
           <a:p>
             <a:fld id="{8E5F0B77-5064-4363-A7E5-FF390C19CD73}" type="datetimeFigureOut">
               <a:rPr lang="en-US" smtClean="0"/>
-              <a:t>2/24/2021</a:t>
+              <a:t>2/25/2021</a:t>
             </a:fld>
             <a:endParaRPr lang="en-US"/>
           </a:p>
@@ -1149,7 +1149,7 @@
           <a:p>
             <a:fld id="{8E5F0B77-5064-4363-A7E5-FF390C19CD73}" type="datetimeFigureOut">
               <a:rPr lang="en-US" smtClean="0"/>
-              <a:t>2/24/2021</a:t>
+              <a:t>2/25/2021</a:t>
             </a:fld>
             <a:endParaRPr lang="en-US"/>
           </a:p>
@@ -1414,7 +1414,7 @@
           <a:p>
             <a:fld id="{8E5F0B77-5064-4363-A7E5-FF390C19CD73}" type="datetimeFigureOut">
               <a:rPr lang="en-US" smtClean="0"/>
-              <a:t>2/24/2021</a:t>
+              <a:t>2/25/2021</a:t>
             </a:fld>
             <a:endParaRPr lang="en-US"/>
           </a:p>
@@ -1826,7 +1826,7 @@
           <a:p>
             <a:fld id="{8E5F0B77-5064-4363-A7E5-FF390C19CD73}" type="datetimeFigureOut">
               <a:rPr lang="en-US" smtClean="0"/>
-              <a:t>2/24/2021</a:t>
+              <a:t>2/25/2021</a:t>
             </a:fld>
             <a:endParaRPr lang="en-US"/>
           </a:p>
@@ -1967,7 +1967,7 @@
           <a:p>
             <a:fld id="{8E5F0B77-5064-4363-A7E5-FF390C19CD73}" type="datetimeFigureOut">
               <a:rPr lang="en-US" smtClean="0"/>
-              <a:t>2/24/2021</a:t>
+              <a:t>2/25/2021</a:t>
             </a:fld>
             <a:endParaRPr lang="en-US"/>
           </a:p>
@@ -2080,7 +2080,7 @@
           <a:p>
             <a:fld id="{8E5F0B77-5064-4363-A7E5-FF390C19CD73}" type="datetimeFigureOut">
               <a:rPr lang="en-US" smtClean="0"/>
-              <a:t>2/24/2021</a:t>
+              <a:t>2/25/2021</a:t>
             </a:fld>
             <a:endParaRPr lang="en-US"/>
           </a:p>
@@ -2391,7 +2391,7 @@
           <a:p>
             <a:fld id="{8E5F0B77-5064-4363-A7E5-FF390C19CD73}" type="datetimeFigureOut">
               <a:rPr lang="en-US" smtClean="0"/>
-              <a:t>2/24/2021</a:t>
+              <a:t>2/25/2021</a:t>
             </a:fld>
             <a:endParaRPr lang="en-US"/>
           </a:p>
@@ -2679,7 +2679,7 @@
           <a:p>
             <a:fld id="{8E5F0B77-5064-4363-A7E5-FF390C19CD73}" type="datetimeFigureOut">
               <a:rPr lang="en-US" smtClean="0"/>
-              <a:t>2/24/2021</a:t>
+              <a:t>2/25/2021</a:t>
             </a:fld>
             <a:endParaRPr lang="en-US"/>
           </a:p>
@@ -2920,7 +2920,7 @@
           <a:p>
             <a:fld id="{8E5F0B77-5064-4363-A7E5-FF390C19CD73}" type="datetimeFigureOut">
               <a:rPr lang="en-US" smtClean="0"/>
-              <a:t>2/24/2021</a:t>
+              <a:t>2/25/2021</a:t>
             </a:fld>
             <a:endParaRPr lang="en-US"/>
           </a:p>
@@ -3523,8 +3523,8 @@
           <a:chExt cx="0" cy="0"/>
         </a:xfrm>
       </p:grpSpPr>
-      <mc:AlternateContent xmlns:mc="http://schemas.openxmlformats.org/markup-compatibility/2006">
-        <mc:Choice xmlns:a14="http://schemas.microsoft.com/office/drawing/2010/main" Requires="a14">
+      <mc:AlternateContent xmlns:mc="http://schemas.openxmlformats.org/markup-compatibility/2006" xmlns:a14="http://schemas.microsoft.com/office/drawing/2010/main">
+        <mc:Choice Requires="a14">
           <p:sp>
             <p:nvSpPr>
               <p:cNvPr id="4" name="Rectangle 3">
@@ -3782,7 +3782,7 @@
             </p:txBody>
           </p:sp>
         </mc:Choice>
-        <mc:Fallback>
+        <mc:Fallback xmlns="">
           <p:sp>
             <p:nvSpPr>
               <p:cNvPr id="4" name="Rectangle 3">
@@ -3832,8 +3832,8 @@
           </p:sp>
         </mc:Fallback>
       </mc:AlternateContent>
-      <mc:AlternateContent xmlns:mc="http://schemas.openxmlformats.org/markup-compatibility/2006">
-        <mc:Choice xmlns:a14="http://schemas.microsoft.com/office/drawing/2010/main" Requires="a14">
+      <mc:AlternateContent xmlns:mc="http://schemas.openxmlformats.org/markup-compatibility/2006" xmlns:a14="http://schemas.microsoft.com/office/drawing/2010/main">
+        <mc:Choice Requires="a14">
           <p:sp>
             <p:nvSpPr>
               <p:cNvPr id="5" name="Rectangle: Rounded Corners 4">
@@ -4062,7 +4062,7 @@
             </p:txBody>
           </p:sp>
         </mc:Choice>
-        <mc:Fallback>
+        <mc:Fallback xmlns="">
           <p:sp>
             <p:nvSpPr>
               <p:cNvPr id="5" name="Rectangle: Rounded Corners 4">
@@ -4204,8 +4204,8 @@
           </a:p>
         </p:txBody>
       </p:sp>
-      <mc:AlternateContent xmlns:mc="http://schemas.openxmlformats.org/markup-compatibility/2006">
-        <mc:Choice xmlns:a14="http://schemas.microsoft.com/office/drawing/2010/main" Requires="a14">
+      <mc:AlternateContent xmlns:mc="http://schemas.openxmlformats.org/markup-compatibility/2006" xmlns:a14="http://schemas.microsoft.com/office/drawing/2010/main">
+        <mc:Choice Requires="a14">
           <p:sp>
             <p:nvSpPr>
               <p:cNvPr id="8" name="Rectangle 7">
@@ -4463,7 +4463,7 @@
             </p:txBody>
           </p:sp>
         </mc:Choice>
-        <mc:Fallback>
+        <mc:Fallback xmlns="">
           <p:sp>
             <p:nvSpPr>
               <p:cNvPr id="8" name="Rectangle 7">
@@ -4647,8 +4647,8 @@
           </a:fontRef>
         </p:style>
       </p:cxnSp>
-      <mc:AlternateContent xmlns:mc="http://schemas.openxmlformats.org/markup-compatibility/2006">
-        <mc:Choice xmlns:a14="http://schemas.microsoft.com/office/drawing/2010/main" Requires="a14">
+      <mc:AlternateContent xmlns:mc="http://schemas.openxmlformats.org/markup-compatibility/2006" xmlns:a14="http://schemas.microsoft.com/office/drawing/2010/main">
+        <mc:Choice Requires="a14">
           <p:sp>
             <p:nvSpPr>
               <p:cNvPr id="12" name="Rectangle 11">
@@ -4906,7 +4906,7 @@
             </p:txBody>
           </p:sp>
         </mc:Choice>
-        <mc:Fallback>
+        <mc:Fallback xmlns="">
           <p:sp>
             <p:nvSpPr>
               <p:cNvPr id="12" name="Rectangle 11">
@@ -5006,8 +5006,8 @@
           </a:p>
         </p:txBody>
       </p:sp>
-      <mc:AlternateContent xmlns:mc="http://schemas.openxmlformats.org/markup-compatibility/2006">
-        <mc:Choice xmlns:a14="http://schemas.microsoft.com/office/drawing/2010/main" Requires="a14">
+      <mc:AlternateContent xmlns:mc="http://schemas.openxmlformats.org/markup-compatibility/2006" xmlns:a14="http://schemas.microsoft.com/office/drawing/2010/main">
+        <mc:Choice Requires="a14">
           <p:sp>
             <p:nvSpPr>
               <p:cNvPr id="15" name="Rectangle 14">
@@ -5265,7 +5265,7 @@
             </p:txBody>
           </p:sp>
         </mc:Choice>
-        <mc:Fallback>
+        <mc:Fallback xmlns="">
           <p:sp>
             <p:nvSpPr>
               <p:cNvPr id="15" name="Rectangle 14">
@@ -5678,8 +5678,8 @@
           </a:p>
         </p:txBody>
       </p:sp>
-      <mc:AlternateContent xmlns:mc="http://schemas.openxmlformats.org/markup-compatibility/2006">
-        <mc:Choice xmlns:a14="http://schemas.microsoft.com/office/drawing/2010/main" Requires="a14">
+      <mc:AlternateContent xmlns:mc="http://schemas.openxmlformats.org/markup-compatibility/2006" xmlns:a14="http://schemas.microsoft.com/office/drawing/2010/main">
+        <mc:Choice Requires="a14">
           <p:sp>
             <p:nvSpPr>
               <p:cNvPr id="26" name="Rectangle 25">
@@ -5937,7 +5937,7 @@
             </p:txBody>
           </p:sp>
         </mc:Choice>
-        <mc:Fallback>
+        <mc:Fallback xmlns="">
           <p:sp>
             <p:nvSpPr>
               <p:cNvPr id="26" name="Rectangle 25">
@@ -6303,8 +6303,8 @@
           <a:chExt cx="0" cy="0"/>
         </a:xfrm>
       </p:grpSpPr>
-      <mc:AlternateContent xmlns:mc="http://schemas.openxmlformats.org/markup-compatibility/2006">
-        <mc:Choice xmlns:a14="http://schemas.microsoft.com/office/drawing/2010/main" Requires="a14">
+      <mc:AlternateContent xmlns:mc="http://schemas.openxmlformats.org/markup-compatibility/2006" xmlns:a14="http://schemas.microsoft.com/office/drawing/2010/main">
+        <mc:Choice Requires="a14">
           <p:sp>
             <p:nvSpPr>
               <p:cNvPr id="4" name="Rectangle 3">
@@ -6562,7 +6562,7 @@
             </p:txBody>
           </p:sp>
         </mc:Choice>
-        <mc:Fallback>
+        <mc:Fallback xmlns="">
           <p:sp>
             <p:nvSpPr>
               <p:cNvPr id="4" name="Rectangle 3">
@@ -6612,8 +6612,8 @@
           </p:sp>
         </mc:Fallback>
       </mc:AlternateContent>
-      <mc:AlternateContent xmlns:mc="http://schemas.openxmlformats.org/markup-compatibility/2006">
-        <mc:Choice xmlns:a14="http://schemas.microsoft.com/office/drawing/2010/main" Requires="a14">
+      <mc:AlternateContent xmlns:mc="http://schemas.openxmlformats.org/markup-compatibility/2006" xmlns:a14="http://schemas.microsoft.com/office/drawing/2010/main">
+        <mc:Choice Requires="a14">
           <p:sp>
             <p:nvSpPr>
               <p:cNvPr id="5" name="Rectangle: Rounded Corners 4">
@@ -6842,7 +6842,7 @@
             </p:txBody>
           </p:sp>
         </mc:Choice>
-        <mc:Fallback>
+        <mc:Fallback xmlns="">
           <p:sp>
             <p:nvSpPr>
               <p:cNvPr id="5" name="Rectangle: Rounded Corners 4">
@@ -6985,8 +6985,8 @@
           </a:p>
         </p:txBody>
       </p:sp>
-      <mc:AlternateContent xmlns:mc="http://schemas.openxmlformats.org/markup-compatibility/2006">
-        <mc:Choice xmlns:a14="http://schemas.microsoft.com/office/drawing/2010/main" Requires="a14">
+      <mc:AlternateContent xmlns:mc="http://schemas.openxmlformats.org/markup-compatibility/2006" xmlns:a14="http://schemas.microsoft.com/office/drawing/2010/main">
+        <mc:Choice Requires="a14">
           <p:sp>
             <p:nvSpPr>
               <p:cNvPr id="8" name="Rectangle 7">
@@ -7244,7 +7244,7 @@
             </p:txBody>
           </p:sp>
         </mc:Choice>
-        <mc:Fallback>
+        <mc:Fallback xmlns="">
           <p:sp>
             <p:nvSpPr>
               <p:cNvPr id="8" name="Rectangle 7">
@@ -7429,8 +7429,8 @@
           </a:fontRef>
         </p:style>
       </p:cxnSp>
-      <mc:AlternateContent xmlns:mc="http://schemas.openxmlformats.org/markup-compatibility/2006">
-        <mc:Choice xmlns:a14="http://schemas.microsoft.com/office/drawing/2010/main" Requires="a14">
+      <mc:AlternateContent xmlns:mc="http://schemas.openxmlformats.org/markup-compatibility/2006" xmlns:a14="http://schemas.microsoft.com/office/drawing/2010/main">
+        <mc:Choice Requires="a14">
           <p:sp>
             <p:nvSpPr>
               <p:cNvPr id="12" name="Rectangle 11">
@@ -7688,7 +7688,7 @@
             </p:txBody>
           </p:sp>
         </mc:Choice>
-        <mc:Fallback>
+        <mc:Fallback xmlns="">
           <p:sp>
             <p:nvSpPr>
               <p:cNvPr id="12" name="Rectangle 11">
@@ -7788,8 +7788,8 @@
           </a:p>
         </p:txBody>
       </p:sp>
-      <mc:AlternateContent xmlns:mc="http://schemas.openxmlformats.org/markup-compatibility/2006">
-        <mc:Choice xmlns:a14="http://schemas.microsoft.com/office/drawing/2010/main" Requires="a14">
+      <mc:AlternateContent xmlns:mc="http://schemas.openxmlformats.org/markup-compatibility/2006" xmlns:a14="http://schemas.microsoft.com/office/drawing/2010/main">
+        <mc:Choice Requires="a14">
           <p:sp>
             <p:nvSpPr>
               <p:cNvPr id="15" name="Rectangle 14">
@@ -8047,7 +8047,7 @@
             </p:txBody>
           </p:sp>
         </mc:Choice>
-        <mc:Fallback>
+        <mc:Fallback xmlns="">
           <p:sp>
             <p:nvSpPr>
               <p:cNvPr id="15" name="Rectangle 14">
@@ -8460,8 +8460,8 @@
           </a:p>
         </p:txBody>
       </p:sp>
-      <mc:AlternateContent xmlns:mc="http://schemas.openxmlformats.org/markup-compatibility/2006">
-        <mc:Choice xmlns:a14="http://schemas.microsoft.com/office/drawing/2010/main" Requires="a14">
+      <mc:AlternateContent xmlns:mc="http://schemas.openxmlformats.org/markup-compatibility/2006" xmlns:a14="http://schemas.microsoft.com/office/drawing/2010/main">
+        <mc:Choice Requires="a14">
           <p:sp>
             <p:nvSpPr>
               <p:cNvPr id="26" name="Rectangle 25">
@@ -8719,7 +8719,7 @@
             </p:txBody>
           </p:sp>
         </mc:Choice>
-        <mc:Fallback>
+        <mc:Fallback xmlns="">
           <p:sp>
             <p:nvSpPr>
               <p:cNvPr id="26" name="Rectangle 25">
@@ -9087,8 +9087,8 @@
           <a:chExt cx="0" cy="0"/>
         </a:xfrm>
       </p:grpSpPr>
-      <mc:AlternateContent xmlns:mc="http://schemas.openxmlformats.org/markup-compatibility/2006">
-        <mc:Choice xmlns:a14="http://schemas.microsoft.com/office/drawing/2010/main" Requires="a14">
+      <mc:AlternateContent xmlns:mc="http://schemas.openxmlformats.org/markup-compatibility/2006" xmlns:a14="http://schemas.microsoft.com/office/drawing/2010/main">
+        <mc:Choice Requires="a14">
           <p:sp>
             <p:nvSpPr>
               <p:cNvPr id="4" name="Rectangle 3">
@@ -9346,7 +9346,7 @@
             </p:txBody>
           </p:sp>
         </mc:Choice>
-        <mc:Fallback>
+        <mc:Fallback xmlns="">
           <p:sp>
             <p:nvSpPr>
               <p:cNvPr id="4" name="Rectangle 3">
@@ -9396,8 +9396,8 @@
           </p:sp>
         </mc:Fallback>
       </mc:AlternateContent>
-      <mc:AlternateContent xmlns:mc="http://schemas.openxmlformats.org/markup-compatibility/2006">
-        <mc:Choice xmlns:a14="http://schemas.microsoft.com/office/drawing/2010/main" Requires="a14">
+      <mc:AlternateContent xmlns:mc="http://schemas.openxmlformats.org/markup-compatibility/2006" xmlns:a14="http://schemas.microsoft.com/office/drawing/2010/main">
+        <mc:Choice Requires="a14">
           <p:sp>
             <p:nvSpPr>
               <p:cNvPr id="5" name="Rectangle: Rounded Corners 4">
@@ -9626,7 +9626,7 @@
             </p:txBody>
           </p:sp>
         </mc:Choice>
-        <mc:Fallback>
+        <mc:Fallback xmlns="">
           <p:sp>
             <p:nvSpPr>
               <p:cNvPr id="5" name="Rectangle: Rounded Corners 4">
@@ -9769,8 +9769,8 @@
           </a:p>
         </p:txBody>
       </p:sp>
-      <mc:AlternateContent xmlns:mc="http://schemas.openxmlformats.org/markup-compatibility/2006">
-        <mc:Choice xmlns:a14="http://schemas.microsoft.com/office/drawing/2010/main" Requires="a14">
+      <mc:AlternateContent xmlns:mc="http://schemas.openxmlformats.org/markup-compatibility/2006" xmlns:a14="http://schemas.microsoft.com/office/drawing/2010/main">
+        <mc:Choice Requires="a14">
           <p:sp>
             <p:nvSpPr>
               <p:cNvPr id="8" name="Rectangle 7">
@@ -10028,7 +10028,7 @@
             </p:txBody>
           </p:sp>
         </mc:Choice>
-        <mc:Fallback>
+        <mc:Fallback xmlns="">
           <p:sp>
             <p:nvSpPr>
               <p:cNvPr id="8" name="Rectangle 7">
@@ -10345,7 +10345,7 @@
                     <a:latin typeface="Times New Roman" panose="02020603050405020304" pitchFamily="18" charset="0"/>
                     <a:cs typeface="Times New Roman" panose="02020603050405020304" pitchFamily="18" charset="0"/>
                   </a:rPr>
-                  <a:t>=94kHz)</a:t>
+                  <a:t>=8kHz)</a:t>
                 </a:r>
               </a:p>
               <a:p>
@@ -10572,8 +10572,8 @@
           </a:p>
         </p:txBody>
       </p:sp>
-      <mc:AlternateContent xmlns:mc="http://schemas.openxmlformats.org/markup-compatibility/2006">
-        <mc:Choice xmlns:a14="http://schemas.microsoft.com/office/drawing/2010/main" Requires="a14">
+      <mc:AlternateContent xmlns:mc="http://schemas.openxmlformats.org/markup-compatibility/2006" xmlns:a14="http://schemas.microsoft.com/office/drawing/2010/main">
+        <mc:Choice Requires="a14">
           <p:sp>
             <p:nvSpPr>
               <p:cNvPr id="14" name="Rectangle 13">
@@ -10831,7 +10831,7 @@
             </p:txBody>
           </p:sp>
         </mc:Choice>
-        <mc:Fallback>
+        <mc:Fallback xmlns="">
           <p:sp>
             <p:nvSpPr>
               <p:cNvPr id="14" name="Rectangle 13">
@@ -11194,7 +11194,7 @@
         </p:nvSpPr>
         <p:spPr>
           <a:xfrm>
-            <a:off x="2619645" y="5427584"/>
+            <a:off x="2665074" y="5427584"/>
             <a:ext cx="279918" cy="289866"/>
           </a:xfrm>
           <a:prstGeom prst="ellipse">
@@ -11244,8 +11244,8 @@
           </a:p>
         </p:txBody>
       </p:sp>
-      <mc:AlternateContent xmlns:mc="http://schemas.openxmlformats.org/markup-compatibility/2006">
-        <mc:Choice xmlns:a14="http://schemas.microsoft.com/office/drawing/2010/main" Requires="a14">
+      <mc:AlternateContent xmlns:mc="http://schemas.openxmlformats.org/markup-compatibility/2006" xmlns:a14="http://schemas.microsoft.com/office/drawing/2010/main">
+        <mc:Choice Requires="a14">
           <p:sp>
             <p:nvSpPr>
               <p:cNvPr id="21" name="Rectangle 20">
@@ -11503,7 +11503,7 @@
             </p:txBody>
           </p:sp>
         </mc:Choice>
-        <mc:Fallback>
+        <mc:Fallback xmlns="">
           <p:sp>
             <p:nvSpPr>
               <p:cNvPr id="21" name="Rectangle 20">
@@ -11871,8 +11871,8 @@
           <a:chExt cx="0" cy="0"/>
         </a:xfrm>
       </p:grpSpPr>
-      <mc:AlternateContent xmlns:mc="http://schemas.openxmlformats.org/markup-compatibility/2006">
-        <mc:Choice xmlns:a14="http://schemas.microsoft.com/office/drawing/2010/main" Requires="a14">
+      <mc:AlternateContent xmlns:mc="http://schemas.openxmlformats.org/markup-compatibility/2006" xmlns:a14="http://schemas.microsoft.com/office/drawing/2010/main">
+        <mc:Choice Requires="a14">
           <p:sp>
             <p:nvSpPr>
               <p:cNvPr id="4" name="Rectangle 3">
@@ -12130,7 +12130,7 @@
             </p:txBody>
           </p:sp>
         </mc:Choice>
-        <mc:Fallback>
+        <mc:Fallback xmlns="">
           <p:sp>
             <p:nvSpPr>
               <p:cNvPr id="4" name="Rectangle 3">
@@ -12180,8 +12180,8 @@
           </p:sp>
         </mc:Fallback>
       </mc:AlternateContent>
-      <mc:AlternateContent xmlns:mc="http://schemas.openxmlformats.org/markup-compatibility/2006">
-        <mc:Choice xmlns:a14="http://schemas.microsoft.com/office/drawing/2010/main" Requires="a14">
+      <mc:AlternateContent xmlns:mc="http://schemas.openxmlformats.org/markup-compatibility/2006" xmlns:a14="http://schemas.microsoft.com/office/drawing/2010/main">
+        <mc:Choice Requires="a14">
           <p:sp>
             <p:nvSpPr>
               <p:cNvPr id="12" name="Rectangle: Rounded Corners 11">
@@ -12410,7 +12410,7 @@
             </p:txBody>
           </p:sp>
         </mc:Choice>
-        <mc:Fallback>
+        <mc:Fallback xmlns="">
           <p:sp>
             <p:nvSpPr>
               <p:cNvPr id="12" name="Rectangle: Rounded Corners 11">
@@ -12552,8 +12552,8 @@
           </a:p>
         </p:txBody>
       </p:sp>
-      <mc:AlternateContent xmlns:mc="http://schemas.openxmlformats.org/markup-compatibility/2006">
-        <mc:Choice xmlns:a14="http://schemas.microsoft.com/office/drawing/2010/main" Requires="a14">
+      <mc:AlternateContent xmlns:mc="http://schemas.openxmlformats.org/markup-compatibility/2006" xmlns:a14="http://schemas.microsoft.com/office/drawing/2010/main">
+        <mc:Choice Requires="a14">
           <p:sp>
             <p:nvSpPr>
               <p:cNvPr id="18" name="Rectangle 17">
@@ -12811,7 +12811,7 @@
             </p:txBody>
           </p:sp>
         </mc:Choice>
-        <mc:Fallback>
+        <mc:Fallback xmlns="">
           <p:sp>
             <p:nvSpPr>
               <p:cNvPr id="18" name="Rectangle 17">
@@ -12995,8 +12995,8 @@
           </a:fontRef>
         </p:style>
       </p:cxnSp>
-      <mc:AlternateContent xmlns:mc="http://schemas.openxmlformats.org/markup-compatibility/2006">
-        <mc:Choice xmlns:a14="http://schemas.microsoft.com/office/drawing/2010/main" Requires="a14">
+      <mc:AlternateContent xmlns:mc="http://schemas.openxmlformats.org/markup-compatibility/2006" xmlns:a14="http://schemas.microsoft.com/office/drawing/2010/main">
+        <mc:Choice Requires="a14">
           <p:sp>
             <p:nvSpPr>
               <p:cNvPr id="33" name="Rectangle 32">
@@ -13254,7 +13254,7 @@
             </p:txBody>
           </p:sp>
         </mc:Choice>
-        <mc:Fallback>
+        <mc:Fallback xmlns="">
           <p:sp>
             <p:nvSpPr>
               <p:cNvPr id="33" name="Rectangle 32">
@@ -13386,8 +13386,8 @@
           </a:fontRef>
         </p:style>
       </p:cxnSp>
-      <mc:AlternateContent xmlns:mc="http://schemas.openxmlformats.org/markup-compatibility/2006">
-        <mc:Choice xmlns:a14="http://schemas.microsoft.com/office/drawing/2010/main" Requires="a14">
+      <mc:AlternateContent xmlns:mc="http://schemas.openxmlformats.org/markup-compatibility/2006" xmlns:a14="http://schemas.microsoft.com/office/drawing/2010/main">
+        <mc:Choice Requires="a14">
           <p:sp>
             <p:nvSpPr>
               <p:cNvPr id="38" name="Rectangle 37">
@@ -13645,7 +13645,7 @@
             </p:txBody>
           </p:sp>
         </mc:Choice>
-        <mc:Fallback>
+        <mc:Fallback xmlns="">
           <p:sp>
             <p:nvSpPr>
               <p:cNvPr id="38" name="Rectangle 37">
